--- a/Analysis of Crunchbase start-ups/Crunchbase start-up analysis Presentation.pptx
+++ b/Analysis of Crunchbase start-ups/Crunchbase start-up analysis Presentation.pptx
@@ -6,12 +6,13 @@
   </p:sldMasterIdLst>
   <p:sldIdLst>
     <p:sldId id="256" r:id="rId2"/>
-    <p:sldId id="257" r:id="rId3"/>
-    <p:sldId id="258" r:id="rId4"/>
-    <p:sldId id="259" r:id="rId5"/>
-    <p:sldId id="260" r:id="rId6"/>
-    <p:sldId id="261" r:id="rId7"/>
-    <p:sldId id="262" r:id="rId8"/>
+    <p:sldId id="263" r:id="rId3"/>
+    <p:sldId id="257" r:id="rId4"/>
+    <p:sldId id="258" r:id="rId5"/>
+    <p:sldId id="259" r:id="rId6"/>
+    <p:sldId id="260" r:id="rId7"/>
+    <p:sldId id="261" r:id="rId8"/>
+    <p:sldId id="262" r:id="rId9"/>
   </p:sldIdLst>
   <p:sldSz cx="12192000" cy="6858000"/>
   <p:notesSz cx="6858000" cy="9144000"/>
@@ -6971,7 +6972,7 @@
           <p:cNvPr id="2" name="Title 1">
             <a:extLst>
               <a:ext uri="{FF2B5EF4-FFF2-40B4-BE49-F238E27FC236}">
-                <a16:creationId xmlns:a16="http://schemas.microsoft.com/office/drawing/2014/main" id="{94DC7EA9-2D66-93BE-C023-5067C5AD59E9}"/>
+                <a16:creationId xmlns:a16="http://schemas.microsoft.com/office/drawing/2014/main" id="{3EB48A22-261E-B6D5-50DA-816C4A7F3CF9}"/>
               </a:ext>
             </a:extLst>
           </p:cNvPr>
@@ -6989,7 +6990,7 @@
           <a:p>
             <a:r>
               <a:rPr lang="en-US" dirty="0"/>
-              <a:t>Objectives</a:t>
+              <a:t>Introduction</a:t>
             </a:r>
           </a:p>
         </p:txBody>
@@ -6999,7 +7000,7 @@
           <p:cNvPr id="3" name="Content Placeholder 2">
             <a:extLst>
               <a:ext uri="{FF2B5EF4-FFF2-40B4-BE49-F238E27FC236}">
-                <a16:creationId xmlns:a16="http://schemas.microsoft.com/office/drawing/2014/main" id="{A09F70EC-A8A1-99AA-C728-4FCA20A89DA4}"/>
+                <a16:creationId xmlns:a16="http://schemas.microsoft.com/office/drawing/2014/main" id="{AE50EEC2-2620-9B79-CB11-02080B245EBE}"/>
               </a:ext>
             </a:extLst>
           </p:cNvPr>
@@ -7015,6 +7016,167 @@
           <a:bodyPr/>
           <a:lstStyle/>
           <a:p>
+            <a:pPr algn="just">
+              <a:buFont typeface="Arial" panose="020B0604020202020204" pitchFamily="34" charset="0"/>
+              <a:buChar char="•"/>
+            </a:pPr>
+            <a:r>
+              <a:rPr lang="en-CA" b="0" i="0" u="none" strike="noStrike" dirty="0">
+                <a:solidFill>
+                  <a:srgbClr val="374151"/>
+                </a:solidFill>
+                <a:effectLst/>
+                <a:latin typeface="Söhne"/>
+              </a:rPr>
+              <a:t>Increase in </a:t>
+            </a:r>
+            <a:r>
+              <a:rPr lang="en-CA" b="1" i="0" u="none" strike="noStrike" dirty="0" err="1">
+                <a:solidFill>
+                  <a:srgbClr val="5CCEAF"/>
+                </a:solidFill>
+                <a:effectLst/>
+                <a:latin typeface="Söhne"/>
+              </a:rPr>
+              <a:t>startup</a:t>
+            </a:r>
+            <a:r>
+              <a:rPr lang="en-CA" b="1" i="0" u="none" strike="noStrike" dirty="0">
+                <a:solidFill>
+                  <a:srgbClr val="5CCEAF"/>
+                </a:solidFill>
+                <a:effectLst/>
+                <a:latin typeface="Söhne"/>
+              </a:rPr>
+              <a:t> investment</a:t>
+            </a:r>
+            <a:r>
+              <a:rPr lang="en-CA" b="0" i="0" u="none" strike="noStrike" dirty="0">
+                <a:solidFill>
+                  <a:srgbClr val="374151"/>
+                </a:solidFill>
+                <a:effectLst/>
+                <a:latin typeface="Söhne"/>
+              </a:rPr>
+              <a:t>, with billions of dollars invested by venture capitalists, angel investors, and others.</a:t>
+            </a:r>
+          </a:p>
+          <a:p>
+            <a:pPr algn="just">
+              <a:buFont typeface="Arial" panose="020B0604020202020204" pitchFamily="34" charset="0"/>
+              <a:buChar char="•"/>
+            </a:pPr>
+            <a:r>
+              <a:rPr lang="en-CA" b="0" i="0" u="none" strike="noStrike" dirty="0">
+                <a:solidFill>
+                  <a:srgbClr val="374151"/>
+                </a:solidFill>
+                <a:effectLst/>
+                <a:latin typeface="Söhne"/>
+              </a:rPr>
+              <a:t>Use of data and technology to inform investment decisions.</a:t>
+            </a:r>
+          </a:p>
+          <a:p>
+            <a:pPr algn="just">
+              <a:buFont typeface="Arial" panose="020B0604020202020204" pitchFamily="34" charset="0"/>
+              <a:buChar char="•"/>
+            </a:pPr>
+            <a:r>
+              <a:rPr lang="en-CA" b="1" i="0" u="none" strike="noStrike" dirty="0">
+                <a:solidFill>
+                  <a:srgbClr val="5CCEAF"/>
+                </a:solidFill>
+                <a:effectLst/>
+                <a:latin typeface="Söhne"/>
+              </a:rPr>
+              <a:t>Crunchbase</a:t>
+            </a:r>
+            <a:r>
+              <a:rPr lang="en-CA" b="0" i="0" u="none" strike="noStrike" dirty="0">
+                <a:solidFill>
+                  <a:srgbClr val="374151"/>
+                </a:solidFill>
+                <a:effectLst/>
+                <a:latin typeface="Söhne"/>
+              </a:rPr>
+              <a:t> dataset contains information on over 6,000 </a:t>
+            </a:r>
+            <a:r>
+              <a:rPr lang="en-CA" b="0" i="0" u="none" strike="noStrike" dirty="0" err="1">
+                <a:solidFill>
+                  <a:srgbClr val="374151"/>
+                </a:solidFill>
+                <a:effectLst/>
+                <a:latin typeface="Söhne"/>
+              </a:rPr>
+              <a:t>startup</a:t>
+            </a:r>
+            <a:r>
+              <a:rPr lang="en-CA" b="0" i="0" u="none" strike="noStrike" dirty="0">
+                <a:solidFill>
+                  <a:srgbClr val="374151"/>
+                </a:solidFill>
+                <a:effectLst/>
+                <a:latin typeface="Söhne"/>
+              </a:rPr>
+              <a:t> investments.</a:t>
+            </a:r>
+          </a:p>
+          <a:p>
+            <a:pPr algn="just">
+              <a:buFont typeface="Arial" panose="020B0604020202020204" pitchFamily="34" charset="0"/>
+              <a:buChar char="•"/>
+            </a:pPr>
+            <a:r>
+              <a:rPr lang="en-CA" b="0" i="0" u="none" strike="noStrike" dirty="0">
+                <a:solidFill>
+                  <a:srgbClr val="374151"/>
+                </a:solidFill>
+                <a:effectLst/>
+                <a:latin typeface="Söhne"/>
+              </a:rPr>
+              <a:t>Project uses dataset to analyze trends and identify investment opportunities through </a:t>
+            </a:r>
+            <a:r>
+              <a:rPr lang="en-CA" b="1" i="0" u="none" strike="noStrike" dirty="0">
+                <a:solidFill>
+                  <a:srgbClr val="5CCEAF"/>
+                </a:solidFill>
+                <a:effectLst/>
+                <a:latin typeface="Söhne"/>
+              </a:rPr>
+              <a:t>descriptive and predictive analytics</a:t>
+            </a:r>
+            <a:r>
+              <a:rPr lang="en-CA" b="0" i="0" u="none" strike="noStrike" dirty="0">
+                <a:solidFill>
+                  <a:srgbClr val="374151"/>
+                </a:solidFill>
+                <a:effectLst/>
+                <a:latin typeface="Söhne"/>
+              </a:rPr>
+              <a:t>.</a:t>
+            </a:r>
+          </a:p>
+          <a:p>
+            <a:pPr algn="just">
+              <a:buFont typeface="Arial" panose="020B0604020202020204" pitchFamily="34" charset="0"/>
+              <a:buChar char="•"/>
+            </a:pPr>
+            <a:r>
+              <a:rPr lang="en-CA" b="0" i="0" u="none" strike="noStrike" dirty="0">
+                <a:solidFill>
+                  <a:srgbClr val="374151"/>
+                </a:solidFill>
+                <a:effectLst/>
+                <a:latin typeface="Söhne"/>
+              </a:rPr>
+              <a:t>Result: Valuable insights for informed investment decisions.</a:t>
+            </a:r>
+          </a:p>
+          <a:p>
+            <a:pPr algn="just"/>
             <a:endParaRPr lang="en-US" dirty="0"/>
           </a:p>
         </p:txBody>
@@ -7022,7 +7184,7 @@
     </p:spTree>
     <p:extLst>
       <p:ext uri="{BB962C8B-B14F-4D97-AF65-F5344CB8AC3E}">
-        <p14:creationId xmlns:p14="http://schemas.microsoft.com/office/powerpoint/2010/main" val="2713873667"/>
+        <p14:creationId xmlns:p14="http://schemas.microsoft.com/office/powerpoint/2010/main" val="2769531546"/>
       </p:ext>
     </p:extLst>
   </p:cSld>
@@ -7054,7 +7216,7 @@
           <p:cNvPr id="2" name="Title 1">
             <a:extLst>
               <a:ext uri="{FF2B5EF4-FFF2-40B4-BE49-F238E27FC236}">
-                <a16:creationId xmlns:a16="http://schemas.microsoft.com/office/drawing/2014/main" id="{08E7B9CF-4144-A968-5182-A721EF028107}"/>
+                <a16:creationId xmlns:a16="http://schemas.microsoft.com/office/drawing/2014/main" id="{94DC7EA9-2D66-93BE-C023-5067C5AD59E9}"/>
               </a:ext>
             </a:extLst>
           </p:cNvPr>
@@ -7070,7 +7232,10 @@
           <a:bodyPr/>
           <a:lstStyle/>
           <a:p>
-            <a:endParaRPr lang="en-US" dirty="0"/>
+            <a:r>
+              <a:rPr lang="en-US" dirty="0"/>
+              <a:t>Objectives</a:t>
+            </a:r>
           </a:p>
         </p:txBody>
       </p:sp>
@@ -7079,7 +7244,7 @@
           <p:cNvPr id="3" name="Content Placeholder 2">
             <a:extLst>
               <a:ext uri="{FF2B5EF4-FFF2-40B4-BE49-F238E27FC236}">
-                <a16:creationId xmlns:a16="http://schemas.microsoft.com/office/drawing/2014/main" id="{AC77462E-BBAA-7169-BC1A-EF43800BC0ED}"/>
+                <a16:creationId xmlns:a16="http://schemas.microsoft.com/office/drawing/2014/main" id="{A09F70EC-A8A1-99AA-C728-4FCA20A89DA4}"/>
               </a:ext>
             </a:extLst>
           </p:cNvPr>
@@ -7090,19 +7255,117 @@
             <p:ph idx="1"/>
           </p:nvPr>
         </p:nvSpPr>
-        <p:spPr/>
-        <p:txBody>
-          <a:bodyPr/>
-          <a:lstStyle/>
-          <a:p>
-            <a:endParaRPr lang="en-US"/>
+        <p:spPr>
+          <a:xfrm>
+            <a:off x="838200" y="1584464"/>
+            <a:ext cx="10515600" cy="3859742"/>
+          </a:xfrm>
+        </p:spPr>
+        <p:txBody>
+          <a:bodyPr>
+            <a:normAutofit fontScale="92500" lnSpcReduction="10000"/>
+          </a:bodyPr>
+          <a:lstStyle/>
+          <a:p>
+            <a:pPr algn="just">
+              <a:buFont typeface="Arial" panose="020B0604020202020204" pitchFamily="34" charset="0"/>
+              <a:buChar char="•"/>
+            </a:pPr>
+            <a:r>
+              <a:rPr lang="en-CA" sz="3000" dirty="0">
+                <a:solidFill>
+                  <a:srgbClr val="374151"/>
+                </a:solidFill>
+                <a:latin typeface="Söhne"/>
+              </a:rPr>
+              <a:t>What percentage of the start-ups through the time could successfully continue operating?</a:t>
+            </a:r>
+          </a:p>
+          <a:p>
+            <a:pPr algn="just">
+              <a:buFont typeface="Arial" panose="020B0604020202020204" pitchFamily="34" charset="0"/>
+              <a:buChar char="•"/>
+            </a:pPr>
+            <a:r>
+              <a:rPr lang="en-CA" sz="3000" dirty="0">
+                <a:solidFill>
+                  <a:srgbClr val="374151"/>
+                </a:solidFill>
+                <a:latin typeface="Söhne"/>
+              </a:rPr>
+              <a:t>Which markets perform best in terms of investment attractivity?</a:t>
+            </a:r>
+          </a:p>
+          <a:p>
+            <a:pPr algn="just">
+              <a:buFont typeface="Arial" panose="020B0604020202020204" pitchFamily="34" charset="0"/>
+              <a:buChar char="•"/>
+            </a:pPr>
+            <a:r>
+              <a:rPr lang="en-CA" sz="3000" dirty="0">
+                <a:solidFill>
+                  <a:srgbClr val="374151"/>
+                </a:solidFill>
+                <a:latin typeface="Söhne"/>
+              </a:rPr>
+              <a:t>Is average seed investment different for successful and unsuccessful start-ups? if they are different, is the difference significant?</a:t>
+            </a:r>
+          </a:p>
+          <a:p>
+            <a:pPr algn="just">
+              <a:buFont typeface="Arial" panose="020B0604020202020204" pitchFamily="34" charset="0"/>
+              <a:buChar char="•"/>
+            </a:pPr>
+            <a:r>
+              <a:rPr lang="en-CA" sz="3000" dirty="0">
+                <a:solidFill>
+                  <a:srgbClr val="374151"/>
+                </a:solidFill>
+                <a:latin typeface="Söhne"/>
+              </a:rPr>
+              <a:t>What are the top 10 markets with the most start-ups?</a:t>
+            </a:r>
+          </a:p>
+          <a:p>
+            <a:pPr algn="just">
+              <a:buFont typeface="Arial" panose="020B0604020202020204" pitchFamily="34" charset="0"/>
+              <a:buChar char="•"/>
+            </a:pPr>
+            <a:r>
+              <a:rPr lang="en-CA" sz="3000" dirty="0">
+                <a:solidFill>
+                  <a:srgbClr val="374151"/>
+                </a:solidFill>
+                <a:latin typeface="Söhne"/>
+              </a:rPr>
+              <a:t>How does the total and average funding received differ from one industry to another?</a:t>
+            </a:r>
+          </a:p>
+          <a:p>
+            <a:pPr algn="just">
+              <a:buFont typeface="Arial" panose="020B0604020202020204" pitchFamily="34" charset="0"/>
+              <a:buChar char="•"/>
+            </a:pPr>
+            <a:r>
+              <a:rPr lang="en-CA" sz="3000" dirty="0">
+                <a:solidFill>
+                  <a:srgbClr val="374151"/>
+                </a:solidFill>
+                <a:latin typeface="Söhne"/>
+              </a:rPr>
+              <a:t>…</a:t>
+            </a:r>
+          </a:p>
+          <a:p>
+            <a:pPr algn="just"/>
+            <a:endParaRPr lang="en-US" dirty="0"/>
           </a:p>
         </p:txBody>
       </p:sp>
     </p:spTree>
     <p:extLst>
       <p:ext uri="{BB962C8B-B14F-4D97-AF65-F5344CB8AC3E}">
-        <p14:creationId xmlns:p14="http://schemas.microsoft.com/office/powerpoint/2010/main" val="2685751707"/>
+        <p14:creationId xmlns:p14="http://schemas.microsoft.com/office/powerpoint/2010/main" val="2713873667"/>
       </p:ext>
     </p:extLst>
   </p:cSld>
@@ -7134,7 +7397,7 @@
           <p:cNvPr id="2" name="Title 1">
             <a:extLst>
               <a:ext uri="{FF2B5EF4-FFF2-40B4-BE49-F238E27FC236}">
-                <a16:creationId xmlns:a16="http://schemas.microsoft.com/office/drawing/2014/main" id="{A2BEDA17-A689-85A7-AA17-90196070AF87}"/>
+                <a16:creationId xmlns:a16="http://schemas.microsoft.com/office/drawing/2014/main" id="{08E7B9CF-4144-A968-5182-A721EF028107}"/>
               </a:ext>
             </a:extLst>
           </p:cNvPr>
@@ -7150,39 +7413,106 @@
           <a:bodyPr/>
           <a:lstStyle/>
           <a:p>
-            <a:endParaRPr lang="en-US"/>
-          </a:p>
-        </p:txBody>
-      </p:sp>
-      <p:sp>
-        <p:nvSpPr>
-          <p:cNvPr id="3" name="Content Placeholder 2">
-            <a:extLst>
-              <a:ext uri="{FF2B5EF4-FFF2-40B4-BE49-F238E27FC236}">
-                <a16:creationId xmlns:a16="http://schemas.microsoft.com/office/drawing/2014/main" id="{6A9B44D9-5643-10E7-53DA-82C0696558A0}"/>
-              </a:ext>
-            </a:extLst>
-          </p:cNvPr>
-          <p:cNvSpPr>
-            <a:spLocks noGrp="1"/>
-          </p:cNvSpPr>
+            <a:endParaRPr lang="en-US" dirty="0"/>
+          </a:p>
+        </p:txBody>
+      </p:sp>
+      <p:pic>
+        <p:nvPicPr>
+          <p:cNvPr id="7" name="Content Placeholder 6">
+            <a:extLst>
+              <a:ext uri="{FF2B5EF4-FFF2-40B4-BE49-F238E27FC236}">
+                <a16:creationId xmlns:a16="http://schemas.microsoft.com/office/drawing/2014/main" id="{F568E6CA-C42C-318B-FD8D-C52F5AA47646}"/>
+              </a:ext>
+            </a:extLst>
+          </p:cNvPr>
+          <p:cNvPicPr>
+            <a:picLocks noGrp="1" noChangeAspect="1"/>
+          </p:cNvPicPr>
           <p:nvPr>
             <p:ph idx="1"/>
           </p:nvPr>
-        </p:nvSpPr>
-        <p:spPr/>
-        <p:txBody>
-          <a:bodyPr/>
-          <a:lstStyle/>
-          <a:p>
-            <a:endParaRPr lang="en-US"/>
-          </a:p>
-        </p:txBody>
-      </p:sp>
+        </p:nvPicPr>
+        <p:blipFill>
+          <a:blip r:embed="rId2"/>
+          <a:stretch>
+            <a:fillRect/>
+          </a:stretch>
+        </p:blipFill>
+        <p:spPr>
+          <a:xfrm>
+            <a:off x="7239850" y="2408721"/>
+            <a:ext cx="4232368" cy="3859213"/>
+          </a:xfrm>
+          <a:prstGeom prst="rect">
+            <a:avLst/>
+          </a:prstGeom>
+        </p:spPr>
+      </p:pic>
+      <p:pic>
+        <p:nvPicPr>
+          <p:cNvPr id="9" name="Picture 8">
+            <a:extLst>
+              <a:ext uri="{FF2B5EF4-FFF2-40B4-BE49-F238E27FC236}">
+                <a16:creationId xmlns:a16="http://schemas.microsoft.com/office/drawing/2014/main" id="{DF65EB1F-AE39-E928-CBA3-92BADA7FBB9C}"/>
+              </a:ext>
+            </a:extLst>
+          </p:cNvPr>
+          <p:cNvPicPr>
+            <a:picLocks noChangeAspect="1"/>
+          </p:cNvPicPr>
+          <p:nvPr/>
+        </p:nvPicPr>
+        <p:blipFill>
+          <a:blip r:embed="rId3"/>
+          <a:stretch>
+            <a:fillRect/>
+          </a:stretch>
+        </p:blipFill>
+        <p:spPr>
+          <a:xfrm>
+            <a:off x="10426424" y="1907071"/>
+            <a:ext cx="1384300" cy="1003300"/>
+          </a:xfrm>
+          <a:prstGeom prst="rect">
+            <a:avLst/>
+          </a:prstGeom>
+        </p:spPr>
+      </p:pic>
+      <p:pic>
+        <p:nvPicPr>
+          <p:cNvPr id="10" name="Picture 9">
+            <a:extLst>
+              <a:ext uri="{FF2B5EF4-FFF2-40B4-BE49-F238E27FC236}">
+                <a16:creationId xmlns:a16="http://schemas.microsoft.com/office/drawing/2014/main" id="{E0136448-24B3-533C-8309-F96C1CC7DCA7}"/>
+              </a:ext>
+            </a:extLst>
+          </p:cNvPr>
+          <p:cNvPicPr>
+            <a:picLocks noChangeAspect="1"/>
+          </p:cNvPicPr>
+          <p:nvPr/>
+        </p:nvPicPr>
+        <p:blipFill>
+          <a:blip r:embed="rId4"/>
+          <a:stretch>
+            <a:fillRect/>
+          </a:stretch>
+        </p:blipFill>
+        <p:spPr>
+          <a:xfrm>
+            <a:off x="6096000" y="1785938"/>
+            <a:ext cx="3797300" cy="406400"/>
+          </a:xfrm>
+          <a:prstGeom prst="rect">
+            <a:avLst/>
+          </a:prstGeom>
+        </p:spPr>
+      </p:pic>
     </p:spTree>
     <p:extLst>
       <p:ext uri="{BB962C8B-B14F-4D97-AF65-F5344CB8AC3E}">
-        <p14:creationId xmlns:p14="http://schemas.microsoft.com/office/powerpoint/2010/main" val="1493332184"/>
+        <p14:creationId xmlns:p14="http://schemas.microsoft.com/office/powerpoint/2010/main" val="2685751707"/>
       </p:ext>
     </p:extLst>
   </p:cSld>
@@ -7214,7 +7544,7 @@
           <p:cNvPr id="2" name="Title 1">
             <a:extLst>
               <a:ext uri="{FF2B5EF4-FFF2-40B4-BE49-F238E27FC236}">
-                <a16:creationId xmlns:a16="http://schemas.microsoft.com/office/drawing/2014/main" id="{8B9EEC12-CCBD-4F44-72AA-5D4381127BBA}"/>
+                <a16:creationId xmlns:a16="http://schemas.microsoft.com/office/drawing/2014/main" id="{A2BEDA17-A689-85A7-AA17-90196070AF87}"/>
               </a:ext>
             </a:extLst>
           </p:cNvPr>
@@ -7234,35 +7564,72 @@
           </a:p>
         </p:txBody>
       </p:sp>
-      <p:sp>
-        <p:nvSpPr>
-          <p:cNvPr id="3" name="Content Placeholder 2">
-            <a:extLst>
-              <a:ext uri="{FF2B5EF4-FFF2-40B4-BE49-F238E27FC236}">
-                <a16:creationId xmlns:a16="http://schemas.microsoft.com/office/drawing/2014/main" id="{606C52EC-7213-AEC0-4721-687143D63783}"/>
-              </a:ext>
-            </a:extLst>
-          </p:cNvPr>
-          <p:cNvSpPr>
-            <a:spLocks noGrp="1"/>
-          </p:cNvSpPr>
+      <p:pic>
+        <p:nvPicPr>
+          <p:cNvPr id="4" name="Content Placeholder 3">
+            <a:extLst>
+              <a:ext uri="{FF2B5EF4-FFF2-40B4-BE49-F238E27FC236}">
+                <a16:creationId xmlns:a16="http://schemas.microsoft.com/office/drawing/2014/main" id="{DB7D4E30-0BAA-F2EC-5EE1-4AF50FD4F105}"/>
+              </a:ext>
+            </a:extLst>
+          </p:cNvPr>
+          <p:cNvPicPr>
+            <a:picLocks noGrp="1" noChangeAspect="1"/>
+          </p:cNvPicPr>
           <p:nvPr>
             <p:ph idx="1"/>
           </p:nvPr>
-        </p:nvSpPr>
-        <p:spPr/>
-        <p:txBody>
-          <a:bodyPr/>
-          <a:lstStyle/>
-          <a:p>
-            <a:endParaRPr lang="en-US"/>
-          </a:p>
-        </p:txBody>
-      </p:sp>
+        </p:nvPicPr>
+        <p:blipFill>
+          <a:blip r:embed="rId2"/>
+          <a:stretch>
+            <a:fillRect/>
+          </a:stretch>
+        </p:blipFill>
+        <p:spPr>
+          <a:xfrm>
+            <a:off x="4633685" y="2811895"/>
+            <a:ext cx="7409227" cy="2356451"/>
+          </a:xfrm>
+          <a:prstGeom prst="rect">
+            <a:avLst/>
+          </a:prstGeom>
+        </p:spPr>
+      </p:pic>
+      <p:pic>
+        <p:nvPicPr>
+          <p:cNvPr id="5" name="Picture 4">
+            <a:extLst>
+              <a:ext uri="{FF2B5EF4-FFF2-40B4-BE49-F238E27FC236}">
+                <a16:creationId xmlns:a16="http://schemas.microsoft.com/office/drawing/2014/main" id="{F0E541CE-1351-34DA-03D9-C7996BA94E13}"/>
+              </a:ext>
+            </a:extLst>
+          </p:cNvPr>
+          <p:cNvPicPr>
+            <a:picLocks noChangeAspect="1"/>
+          </p:cNvPicPr>
+          <p:nvPr/>
+        </p:nvPicPr>
+        <p:blipFill>
+          <a:blip r:embed="rId3"/>
+          <a:stretch>
+            <a:fillRect/>
+          </a:stretch>
+        </p:blipFill>
+        <p:spPr>
+          <a:xfrm>
+            <a:off x="6249148" y="2291195"/>
+            <a:ext cx="4178300" cy="520700"/>
+          </a:xfrm>
+          <a:prstGeom prst="rect">
+            <a:avLst/>
+          </a:prstGeom>
+        </p:spPr>
+      </p:pic>
     </p:spTree>
     <p:extLst>
       <p:ext uri="{BB962C8B-B14F-4D97-AF65-F5344CB8AC3E}">
-        <p14:creationId xmlns:p14="http://schemas.microsoft.com/office/powerpoint/2010/main" val="1628288590"/>
+        <p14:creationId xmlns:p14="http://schemas.microsoft.com/office/powerpoint/2010/main" val="1493332184"/>
       </p:ext>
     </p:extLst>
   </p:cSld>
@@ -7294,7 +7661,7 @@
           <p:cNvPr id="2" name="Title 1">
             <a:extLst>
               <a:ext uri="{FF2B5EF4-FFF2-40B4-BE49-F238E27FC236}">
-                <a16:creationId xmlns:a16="http://schemas.microsoft.com/office/drawing/2014/main" id="{8D36ED27-7FD0-BBF6-E916-E95433DE8E0B}"/>
+                <a16:creationId xmlns:a16="http://schemas.microsoft.com/office/drawing/2014/main" id="{8B9EEC12-CCBD-4F44-72AA-5D4381127BBA}"/>
               </a:ext>
             </a:extLst>
           </p:cNvPr>
@@ -7314,12 +7681,72 @@
           </a:p>
         </p:txBody>
       </p:sp>
-      <p:sp>
-        <p:nvSpPr>
-          <p:cNvPr id="3" name="Content Placeholder 2">
-            <a:extLst>
-              <a:ext uri="{FF2B5EF4-FFF2-40B4-BE49-F238E27FC236}">
-                <a16:creationId xmlns:a16="http://schemas.microsoft.com/office/drawing/2014/main" id="{3B52B116-2B5C-F4AC-A31A-3C385B3B0B80}"/>
+      <p:pic>
+        <p:nvPicPr>
+          <p:cNvPr id="5" name="Picture 4">
+            <a:extLst>
+              <a:ext uri="{FF2B5EF4-FFF2-40B4-BE49-F238E27FC236}">
+                <a16:creationId xmlns:a16="http://schemas.microsoft.com/office/drawing/2014/main" id="{734EE238-823F-1D35-EC49-A6C00393A632}"/>
+              </a:ext>
+            </a:extLst>
+          </p:cNvPr>
+          <p:cNvPicPr>
+            <a:picLocks noChangeAspect="1"/>
+          </p:cNvPicPr>
+          <p:nvPr/>
+        </p:nvPicPr>
+        <p:blipFill>
+          <a:blip r:embed="rId2"/>
+          <a:stretch>
+            <a:fillRect/>
+          </a:stretch>
+        </p:blipFill>
+        <p:spPr>
+          <a:xfrm>
+            <a:off x="838200" y="1690688"/>
+            <a:ext cx="10654748" cy="4010274"/>
+          </a:xfrm>
+          <a:prstGeom prst="rect">
+            <a:avLst/>
+          </a:prstGeom>
+        </p:spPr>
+      </p:pic>
+    </p:spTree>
+    <p:extLst>
+      <p:ext uri="{BB962C8B-B14F-4D97-AF65-F5344CB8AC3E}">
+        <p14:creationId xmlns:p14="http://schemas.microsoft.com/office/powerpoint/2010/main" val="1628288590"/>
+      </p:ext>
+    </p:extLst>
+  </p:cSld>
+  <p:clrMapOvr>
+    <a:masterClrMapping/>
+  </p:clrMapOvr>
+</p:sld>
+</file>
+
+<file path=ppt/slides/slide7.xml><?xml version="1.0" encoding="utf-8"?>
+<p:sld xmlns:a="http://schemas.openxmlformats.org/drawingml/2006/main" xmlns:r="http://schemas.openxmlformats.org/officeDocument/2006/relationships" xmlns:p="http://schemas.openxmlformats.org/presentationml/2006/main">
+  <p:cSld>
+    <p:spTree>
+      <p:nvGrpSpPr>
+        <p:cNvPr id="1" name=""/>
+        <p:cNvGrpSpPr/>
+        <p:nvPr/>
+      </p:nvGrpSpPr>
+      <p:grpSpPr>
+        <a:xfrm>
+          <a:off x="0" y="0"/>
+          <a:ext cx="0" cy="0"/>
+          <a:chOff x="0" y="0"/>
+          <a:chExt cx="0" cy="0"/>
+        </a:xfrm>
+      </p:grpSpPr>
+      <p:sp>
+        <p:nvSpPr>
+          <p:cNvPr id="2" name="Title 1">
+            <a:extLst>
+              <a:ext uri="{FF2B5EF4-FFF2-40B4-BE49-F238E27FC236}">
+                <a16:creationId xmlns:a16="http://schemas.microsoft.com/office/drawing/2014/main" id="{8D36ED27-7FD0-BBF6-E916-E95433DE8E0B}"/>
               </a:ext>
             </a:extLst>
           </p:cNvPr>
@@ -7327,7 +7754,7 @@
             <a:spLocks noGrp="1"/>
           </p:cNvSpPr>
           <p:nvPr>
-            <p:ph idx="1"/>
+            <p:ph type="title"/>
           </p:nvPr>
         </p:nvSpPr>
         <p:spPr/>
@@ -7339,6 +7766,36 @@
           </a:p>
         </p:txBody>
       </p:sp>
+      <p:pic>
+        <p:nvPicPr>
+          <p:cNvPr id="4" name="Picture 3">
+            <a:extLst>
+              <a:ext uri="{FF2B5EF4-FFF2-40B4-BE49-F238E27FC236}">
+                <a16:creationId xmlns:a16="http://schemas.microsoft.com/office/drawing/2014/main" id="{0BEC91A2-C018-9D16-D397-895096D2677B}"/>
+              </a:ext>
+            </a:extLst>
+          </p:cNvPr>
+          <p:cNvPicPr>
+            <a:picLocks noChangeAspect="1"/>
+          </p:cNvPicPr>
+          <p:nvPr/>
+        </p:nvPicPr>
+        <p:blipFill>
+          <a:blip r:embed="rId2"/>
+          <a:stretch>
+            <a:fillRect/>
+          </a:stretch>
+        </p:blipFill>
+        <p:spPr>
+          <a:xfrm>
+            <a:off x="554935" y="1690688"/>
+            <a:ext cx="11082130" cy="3984868"/>
+          </a:xfrm>
+          <a:prstGeom prst="rect">
+            <a:avLst/>
+          </a:prstGeom>
+        </p:spPr>
+      </p:pic>
     </p:spTree>
     <p:extLst>
       <p:ext uri="{BB962C8B-B14F-4D97-AF65-F5344CB8AC3E}">
@@ -7352,7 +7809,7 @@
 </p:sld>
 </file>
 
-<file path=ppt/slides/slide7.xml><?xml version="1.0" encoding="utf-8"?>
+<file path=ppt/slides/slide8.xml><?xml version="1.0" encoding="utf-8"?>
 <p:sld xmlns:a="http://schemas.openxmlformats.org/drawingml/2006/main" xmlns:r="http://schemas.openxmlformats.org/officeDocument/2006/relationships" xmlns:p="http://schemas.openxmlformats.org/presentationml/2006/main">
   <p:cSld>
     <p:spTree>
